--- a/Documentacion/Presentacion.pptx
+++ b/Documentacion/Presentacion.pptx
@@ -116,6 +116,11 @@
       </a:defRPr>
     </a:lvl9pPr>
   </p:defaultTextStyle>
+  <p:extLst>
+    <p:ext uri="{EFAFB233-063F-42B5-8137-9DF3F51BA10A}">
+      <p15:sldGuideLst xmlns:p15="http://schemas.microsoft.com/office/powerpoint/2012/main"/>
+    </p:ext>
+  </p:extLst>
 </p:presentation>
 </file>
 
@@ -4674,10 +4679,10 @@
       </p:pic>
       <p:pic>
         <p:nvPicPr>
-          <p:cNvPr id="3076" name="Picture 4">
-            <a:extLst>
-              <a:ext uri="{FF2B5EF4-FFF2-40B4-BE49-F238E27FC236}">
-                <a16:creationId xmlns:a16="http://schemas.microsoft.com/office/drawing/2014/main" id="{9600DEC0-E673-EA8D-AB35-FD5874E61A4A}"/>
+          <p:cNvPr id="1026" name="Picture 2">
+            <a:extLst>
+              <a:ext uri="{FF2B5EF4-FFF2-40B4-BE49-F238E27FC236}">
+                <a16:creationId xmlns:a16="http://schemas.microsoft.com/office/drawing/2014/main" id="{1BCDF236-64E0-5274-2639-0A51451C5AC2}"/>
               </a:ext>
             </a:extLst>
           </p:cNvPr>
@@ -4686,7 +4691,7 @@
           </p:cNvPicPr>
           <p:nvPr/>
         </p:nvPicPr>
-        <p:blipFill rotWithShape="1">
+        <p:blipFill>
           <a:blip r:embed="rId3">
             <a:extLst>
               <a:ext uri="{28A0092B-C50C-407E-A947-70E740481C1C}">
@@ -4694,13 +4699,15 @@
               </a:ext>
             </a:extLst>
           </a:blip>
-          <a:srcRect l="3030" r="6071"/>
-          <a:stretch/>
+          <a:srcRect/>
+          <a:stretch>
+            <a:fillRect/>
+          </a:stretch>
         </p:blipFill>
         <p:spPr bwMode="auto">
           <a:xfrm>
-            <a:off x="6636798" y="2546577"/>
-            <a:ext cx="3588760" cy="2746452"/>
+            <a:off x="6602254" y="2546576"/>
+            <a:ext cx="3657847" cy="2732002"/>
           </a:xfrm>
           <a:prstGeom prst="rect">
             <a:avLst/>
@@ -6300,16 +6307,7 @@
             </a:pPr>
             <a:r>
               <a:rPr lang="es-ES" sz="1400" dirty="0"/>
-              <a:t>Las empresas publicarán ofertas con los requisitos necesarios para interpretar a sus personajes el tipo de trabajo que se necesite</a:t>
-            </a:r>
-          </a:p>
-          <a:p>
-            <a:pPr marL="0" indent="0" algn="just">
-              <a:buNone/>
-            </a:pPr>
-            <a:r>
-              <a:rPr lang="es-ES" sz="1400" dirty="0"/>
-              <a:t>por ejemplo(serie, anuncio, película, etc.).</a:t>
+              <a:t>Las empresas publicarán ofertas con los requisitos necesarios para interpretar a sus personajes el tipo de trabajo que se necesite por ejemplo(serie, anuncio, película, etc.).</a:t>
             </a:r>
           </a:p>
           <a:p>
